--- a/韩慧阳-答辩.pptx
+++ b/韩慧阳-答辩.pptx
@@ -8495,30 +8495,26 @@
             <a:pPr lvl="1"/>
             <a:r>
               <a:rPr lang="zh-CN" altLang="en-US" dirty="0" smtClean="0"/>
-              <a:t>综合</a:t>
-            </a:r>
-            <a:r>
-              <a:rPr lang="zh-CN" altLang="en-US" smtClean="0"/>
-              <a:t>配置</a:t>
-            </a:r>
-            <a:r>
-              <a:rPr lang="zh-CN" altLang="en-US" smtClean="0"/>
+              <a:t>综合配置</a:t>
+            </a:r>
+            <a:r>
+              <a:rPr lang="zh-CN" altLang="en-US" dirty="0" smtClean="0"/>
               <a:t>（</a:t>
             </a:r>
             <a:r>
-              <a:rPr lang="zh-CN" altLang="en-US"/>
+              <a:rPr lang="zh-CN" altLang="en-US" dirty="0"/>
               <a:t>负载</a:t>
             </a:r>
             <a:r>
-              <a:rPr lang="zh-CN" altLang="en-US" smtClean="0"/>
+              <a:rPr lang="zh-CN" altLang="en-US" dirty="0" smtClean="0"/>
               <a:t>、</a:t>
             </a:r>
             <a:r>
-              <a:rPr lang="zh-CN" altLang="en-US"/>
+              <a:rPr lang="zh-CN" altLang="en-US" dirty="0"/>
               <a:t>文件系统</a:t>
             </a:r>
             <a:r>
-              <a:rPr lang="zh-CN" altLang="en-US" smtClean="0"/>
+              <a:rPr lang="zh-CN" altLang="en-US" dirty="0" smtClean="0"/>
               <a:t>）</a:t>
             </a:r>
             <a:endParaRPr lang="en-US" altLang="zh-CN" dirty="0" smtClean="0"/>
@@ -9098,8 +9094,8 @@
         </p:blipFill>
         <p:spPr>
           <a:xfrm>
-            <a:off x="838200" y="4495890"/>
-            <a:ext cx="3616659" cy="2631390"/>
+            <a:off x="5227320" y="1690688"/>
+            <a:ext cx="5821680" cy="4235708"/>
           </a:xfrm>
           <a:prstGeom prst="rect">
             <a:avLst/>
